--- a/Bemutató.pptx
+++ b/Bemutató.pptx
@@ -5,7 +5,7 @@
     <p:sldMasterId id="2147483874" r:id="rId1"/>
   </p:sldMasterIdLst>
   <p:notesMasterIdLst>
-    <p:notesMasterId r:id="rId10"/>
+    <p:notesMasterId r:id="rId12"/>
   </p:notesMasterIdLst>
   <p:sldIdLst>
     <p:sldId id="256" r:id="rId2"/>
@@ -15,7 +15,9 @@
     <p:sldId id="262" r:id="rId6"/>
     <p:sldId id="261" r:id="rId7"/>
     <p:sldId id="264" r:id="rId8"/>
-    <p:sldId id="260" r:id="rId9"/>
+    <p:sldId id="265" r:id="rId9"/>
+    <p:sldId id="266" r:id="rId10"/>
+    <p:sldId id="267" r:id="rId11"/>
   </p:sldIdLst>
   <p:sldSz cx="12192000" cy="6858000"/>
   <p:notesSz cx="6858000" cy="9144000"/>
@@ -114,6 +116,11 @@
       </a:defRPr>
     </a:lvl9pPr>
   </p:defaultTextStyle>
+  <p:extLst>
+    <p:ext uri="{EFAFB233-063F-42B5-8137-9DF3F51BA10A}">
+      <p15:sldGuideLst xmlns:p15="http://schemas.microsoft.com/office/powerpoint/2012/main"/>
+    </p:ext>
+  </p:extLst>
 </p:presentation>
 </file>
 
@@ -199,7 +206,7 @@
           <a:p>
             <a:fld id="{1ECDDC05-73ED-4ADA-992F-54F12855A1B1}" type="datetimeFigureOut">
               <a:rPr lang="en-US" smtClean="0"/>
-              <a:t>11/25/2020</a:t>
+              <a:t>11/29/2020</a:t>
             </a:fld>
             <a:endParaRPr lang="en-US"/>
           </a:p>
@@ -1627,7 +1634,7 @@
           <a:p>
             <a:fld id="{775E5B28-7FEC-4690-AF53-D07627C59364}" type="datetimeFigureOut">
               <a:rPr lang="en-US" smtClean="0"/>
-              <a:t>11/25/2020</a:t>
+              <a:t>11/29/2020</a:t>
             </a:fld>
             <a:endParaRPr lang="en-US"/>
           </a:p>
@@ -1878,7 +1885,7 @@
           <a:p>
             <a:fld id="{775E5B28-7FEC-4690-AF53-D07627C59364}" type="datetimeFigureOut">
               <a:rPr lang="en-US" smtClean="0"/>
-              <a:t>11/25/2020</a:t>
+              <a:t>11/29/2020</a:t>
             </a:fld>
             <a:endParaRPr lang="en-US"/>
           </a:p>
@@ -2192,7 +2199,7 @@
           <a:p>
             <a:fld id="{775E5B28-7FEC-4690-AF53-D07627C59364}" type="datetimeFigureOut">
               <a:rPr lang="en-US" smtClean="0"/>
-              <a:t>11/25/2020</a:t>
+              <a:t>11/29/2020</a:t>
             </a:fld>
             <a:endParaRPr lang="en-US"/>
           </a:p>
@@ -2533,7 +2540,7 @@
           <a:p>
             <a:fld id="{775E5B28-7FEC-4690-AF53-D07627C59364}" type="datetimeFigureOut">
               <a:rPr lang="en-US" smtClean="0"/>
-              <a:t>11/25/2020</a:t>
+              <a:t>11/29/2020</a:t>
             </a:fld>
             <a:endParaRPr lang="en-US"/>
           </a:p>
@@ -2847,7 +2854,7 @@
           <a:p>
             <a:fld id="{775E5B28-7FEC-4690-AF53-D07627C59364}" type="datetimeFigureOut">
               <a:rPr lang="en-US" smtClean="0"/>
-              <a:t>11/25/2020</a:t>
+              <a:t>11/29/2020</a:t>
             </a:fld>
             <a:endParaRPr lang="en-US"/>
           </a:p>
@@ -3240,7 +3247,7 @@
           <a:p>
             <a:fld id="{775E5B28-7FEC-4690-AF53-D07627C59364}" type="datetimeFigureOut">
               <a:rPr lang="en-US" smtClean="0"/>
-              <a:t>11/25/2020</a:t>
+              <a:t>11/29/2020</a:t>
             </a:fld>
             <a:endParaRPr lang="en-US"/>
           </a:p>
@@ -3410,7 +3417,7 @@
           <a:p>
             <a:fld id="{775E5B28-7FEC-4690-AF53-D07627C59364}" type="datetimeFigureOut">
               <a:rPr lang="en-US" smtClean="0"/>
-              <a:t>11/25/2020</a:t>
+              <a:t>11/29/2020</a:t>
             </a:fld>
             <a:endParaRPr lang="en-US"/>
           </a:p>
@@ -3590,7 +3597,7 @@
           <a:p>
             <a:fld id="{775E5B28-7FEC-4690-AF53-D07627C59364}" type="datetimeFigureOut">
               <a:rPr lang="en-US" smtClean="0"/>
-              <a:t>11/25/2020</a:t>
+              <a:t>11/29/2020</a:t>
             </a:fld>
             <a:endParaRPr lang="en-US"/>
           </a:p>
@@ -3766,7 +3773,7 @@
           <a:p>
             <a:fld id="{775E5B28-7FEC-4690-AF53-D07627C59364}" type="datetimeFigureOut">
               <a:rPr lang="en-US" smtClean="0"/>
-              <a:t>11/25/2020</a:t>
+              <a:t>11/29/2020</a:t>
             </a:fld>
             <a:endParaRPr lang="en-US"/>
           </a:p>
@@ -4013,7 +4020,7 @@
           <a:p>
             <a:fld id="{775E5B28-7FEC-4690-AF53-D07627C59364}" type="datetimeFigureOut">
               <a:rPr lang="en-US" smtClean="0"/>
-              <a:t>11/25/2020</a:t>
+              <a:t>11/29/2020</a:t>
             </a:fld>
             <a:endParaRPr lang="en-US"/>
           </a:p>
@@ -4245,7 +4252,7 @@
           <a:p>
             <a:fld id="{775E5B28-7FEC-4690-AF53-D07627C59364}" type="datetimeFigureOut">
               <a:rPr lang="en-US" smtClean="0"/>
-              <a:t>11/25/2020</a:t>
+              <a:t>11/29/2020</a:t>
             </a:fld>
             <a:endParaRPr lang="en-US"/>
           </a:p>
@@ -4619,7 +4626,7 @@
           <a:p>
             <a:fld id="{775E5B28-7FEC-4690-AF53-D07627C59364}" type="datetimeFigureOut">
               <a:rPr lang="en-US" smtClean="0"/>
-              <a:t>11/25/2020</a:t>
+              <a:t>11/29/2020</a:t>
             </a:fld>
             <a:endParaRPr lang="en-US"/>
           </a:p>
@@ -4742,7 +4749,7 @@
           <a:p>
             <a:fld id="{775E5B28-7FEC-4690-AF53-D07627C59364}" type="datetimeFigureOut">
               <a:rPr lang="en-US" smtClean="0"/>
-              <a:t>11/25/2020</a:t>
+              <a:t>11/29/2020</a:t>
             </a:fld>
             <a:endParaRPr lang="en-US"/>
           </a:p>
@@ -4837,7 +4844,7 @@
           <a:p>
             <a:fld id="{775E5B28-7FEC-4690-AF53-D07627C59364}" type="datetimeFigureOut">
               <a:rPr lang="en-US" smtClean="0"/>
-              <a:t>11/25/2020</a:t>
+              <a:t>11/29/2020</a:t>
             </a:fld>
             <a:endParaRPr lang="en-US"/>
           </a:p>
@@ -5092,7 +5099,7 @@
           <a:p>
             <a:fld id="{775E5B28-7FEC-4690-AF53-D07627C59364}" type="datetimeFigureOut">
               <a:rPr lang="en-US" smtClean="0"/>
-              <a:t>11/25/2020</a:t>
+              <a:t>11/29/2020</a:t>
             </a:fld>
             <a:endParaRPr lang="en-US"/>
           </a:p>
@@ -5355,7 +5362,7 @@
           <a:p>
             <a:fld id="{775E5B28-7FEC-4690-AF53-D07627C59364}" type="datetimeFigureOut">
               <a:rPr lang="en-US" smtClean="0"/>
-              <a:t>11/25/2020</a:t>
+              <a:t>11/29/2020</a:t>
             </a:fld>
             <a:endParaRPr lang="en-US"/>
           </a:p>
@@ -6098,7 +6105,7 @@
           <a:p>
             <a:fld id="{775E5B28-7FEC-4690-AF53-D07627C59364}" type="datetimeFigureOut">
               <a:rPr lang="en-US" smtClean="0"/>
-              <a:t>11/25/2020</a:t>
+              <a:t>11/29/2020</a:t>
             </a:fld>
             <a:endParaRPr lang="en-US"/>
           </a:p>
@@ -6663,6 +6670,111 @@
 </p:sld>
 </file>
 
+<file path=ppt/slides/slide10.xml><?xml version="1.0" encoding="utf-8"?>
+<p:sld xmlns:a="http://schemas.openxmlformats.org/drawingml/2006/main" xmlns:r="http://schemas.openxmlformats.org/officeDocument/2006/relationships" xmlns:p="http://schemas.openxmlformats.org/presentationml/2006/main">
+  <p:cSld>
+    <p:spTree>
+      <p:nvGrpSpPr>
+        <p:cNvPr id="1" name=""/>
+        <p:cNvGrpSpPr/>
+        <p:nvPr/>
+      </p:nvGrpSpPr>
+      <p:grpSpPr>
+        <a:xfrm>
+          <a:off x="0" y="0"/>
+          <a:ext cx="0" cy="0"/>
+          <a:chOff x="0" y="0"/>
+          <a:chExt cx="0" cy="0"/>
+        </a:xfrm>
+      </p:grpSpPr>
+      <p:sp>
+        <p:nvSpPr>
+          <p:cNvPr id="2" name="Cím 1">
+            <a:extLst>
+              <a:ext uri="{FF2B5EF4-FFF2-40B4-BE49-F238E27FC236}">
+                <a16:creationId xmlns:a16="http://schemas.microsoft.com/office/drawing/2014/main" id="{E9DA8A1D-962F-4F8A-BFC3-80B429BA169E}"/>
+              </a:ext>
+            </a:extLst>
+          </p:cNvPr>
+          <p:cNvSpPr>
+            <a:spLocks noGrp="1"/>
+          </p:cNvSpPr>
+          <p:nvPr>
+            <p:ph type="title"/>
+          </p:nvPr>
+        </p:nvSpPr>
+        <p:spPr/>
+        <p:txBody>
+          <a:bodyPr/>
+          <a:lstStyle/>
+          <a:p>
+            <a:endParaRPr lang="hu-HU"/>
+          </a:p>
+        </p:txBody>
+      </p:sp>
+      <p:sp>
+        <p:nvSpPr>
+          <p:cNvPr id="3" name="Tartalom helye 2">
+            <a:extLst>
+              <a:ext uri="{FF2B5EF4-FFF2-40B4-BE49-F238E27FC236}">
+                <a16:creationId xmlns:a16="http://schemas.microsoft.com/office/drawing/2014/main" id="{4A5755BB-AD7A-4EAF-BA7E-8F5B0EC71D2D}"/>
+              </a:ext>
+            </a:extLst>
+          </p:cNvPr>
+          <p:cNvSpPr>
+            <a:spLocks noGrp="1"/>
+          </p:cNvSpPr>
+          <p:nvPr>
+            <p:ph sz="half" idx="1"/>
+          </p:nvPr>
+        </p:nvSpPr>
+        <p:spPr/>
+        <p:txBody>
+          <a:bodyPr/>
+          <a:lstStyle/>
+          <a:p>
+            <a:endParaRPr lang="hu-HU"/>
+          </a:p>
+        </p:txBody>
+      </p:sp>
+      <p:sp>
+        <p:nvSpPr>
+          <p:cNvPr id="4" name="Tartalom helye 3">
+            <a:extLst>
+              <a:ext uri="{FF2B5EF4-FFF2-40B4-BE49-F238E27FC236}">
+                <a16:creationId xmlns:a16="http://schemas.microsoft.com/office/drawing/2014/main" id="{CD6DF4BA-E870-410B-8A6C-7821EDBA7575}"/>
+              </a:ext>
+            </a:extLst>
+          </p:cNvPr>
+          <p:cNvSpPr>
+            <a:spLocks noGrp="1"/>
+          </p:cNvSpPr>
+          <p:nvPr>
+            <p:ph sz="half" idx="2"/>
+          </p:nvPr>
+        </p:nvSpPr>
+        <p:spPr/>
+        <p:txBody>
+          <a:bodyPr/>
+          <a:lstStyle/>
+          <a:p>
+            <a:endParaRPr lang="hu-HU"/>
+          </a:p>
+        </p:txBody>
+      </p:sp>
+    </p:spTree>
+    <p:extLst>
+      <p:ext uri="{BB962C8B-B14F-4D97-AF65-F5344CB8AC3E}">
+        <p14:creationId xmlns:p14="http://schemas.microsoft.com/office/powerpoint/2010/main" val="1544109302"/>
+      </p:ext>
+    </p:extLst>
+  </p:cSld>
+  <p:clrMapOvr>
+    <a:masterClrMapping/>
+  </p:clrMapOvr>
+</p:sld>
+</file>
+
 <file path=ppt/slides/slide2.xml><?xml version="1.0" encoding="utf-8"?>
 <p:sld xmlns:a="http://schemas.openxmlformats.org/drawingml/2006/main" xmlns:r="http://schemas.openxmlformats.org/officeDocument/2006/relationships" xmlns:p="http://schemas.openxmlformats.org/presentationml/2006/main">
   <p:cSld>
@@ -6762,13 +6874,26 @@
           <a:p>
             <a:pPr lvl="1"/>
             <a:r>
-              <a:rPr lang="hu-HU" dirty="0">
-                <a:solidFill>
-                  <a:srgbClr val="FF0000"/>
-                </a:solidFill>
-              </a:rPr>
-              <a:t>?</a:t>
-            </a:r>
+              <a:rPr lang="hu-HU" dirty="0"/>
+              <a:t>Képek osztályozása – </a:t>
+            </a:r>
+            <a:r>
+              <a:rPr lang="en-GB" dirty="0" err="1"/>
+              <a:t>mesterséges</a:t>
+            </a:r>
+            <a:r>
+              <a:rPr lang="en-GB" dirty="0"/>
+              <a:t> </a:t>
+            </a:r>
+            <a:r>
+              <a:rPr lang="en-GB" dirty="0" err="1"/>
+              <a:t>neuronháló</a:t>
+            </a:r>
+            <a:endParaRPr lang="hu-HU" dirty="0">
+              <a:solidFill>
+                <a:srgbClr val="FF0000"/>
+              </a:solidFill>
+            </a:endParaRPr>
           </a:p>
         </p:txBody>
       </p:sp>
@@ -7657,7 +7782,7 @@
           <p:cNvPr id="2" name="Title 1">
             <a:extLst>
               <a:ext uri="{FF2B5EF4-FFF2-40B4-BE49-F238E27FC236}">
-                <a16:creationId xmlns:a16="http://schemas.microsoft.com/office/drawing/2014/main" id="{00C0F21F-38C1-49EF-972E-079DEF573A72}"/>
+                <a16:creationId xmlns:a16="http://schemas.microsoft.com/office/drawing/2014/main" id="{1BD52BE6-D483-47B0-B2F7-6053192F3016}"/>
               </a:ext>
             </a:extLst>
           </p:cNvPr>
@@ -7670,10 +7795,31 @@
         </p:nvSpPr>
         <p:spPr/>
         <p:txBody>
-          <a:bodyPr/>
+          <a:bodyPr>
+            <a:normAutofit fontScale="90000"/>
+          </a:bodyPr>
           <a:lstStyle/>
           <a:p>
-            <a:endParaRPr lang="hu-HU"/>
+            <a:r>
+              <a:rPr lang="hu-HU" dirty="0"/>
+              <a:t>Képek osztályozása – </a:t>
+            </a:r>
+            <a:r>
+              <a:rPr lang="en-GB" dirty="0" err="1"/>
+              <a:t>mesterséges</a:t>
+            </a:r>
+            <a:r>
+              <a:rPr lang="en-GB" dirty="0"/>
+              <a:t> </a:t>
+            </a:r>
+            <a:r>
+              <a:rPr lang="en-GB" dirty="0" err="1"/>
+              <a:t>neuronháló</a:t>
+            </a:r>
+            <a:br>
+              <a:rPr lang="hu-HU" dirty="0"/>
+            </a:br>
+            <a:endParaRPr lang="hu-HU" dirty="0"/>
           </a:p>
         </p:txBody>
       </p:sp>
@@ -7682,7 +7828,7 @@
           <p:cNvPr id="3" name="Content Placeholder 2">
             <a:extLst>
               <a:ext uri="{FF2B5EF4-FFF2-40B4-BE49-F238E27FC236}">
-                <a16:creationId xmlns:a16="http://schemas.microsoft.com/office/drawing/2014/main" id="{07B0BEA8-AE14-4A5C-B332-31A1D787B27F}"/>
+                <a16:creationId xmlns:a16="http://schemas.microsoft.com/office/drawing/2014/main" id="{1E7B101E-012A-4977-B3E6-4AF6EAA6B953}"/>
               </a:ext>
             </a:extLst>
           </p:cNvPr>
@@ -7693,19 +7839,758 @@
             <p:ph idx="1"/>
           </p:nvPr>
         </p:nvSpPr>
-        <p:spPr/>
-        <p:txBody>
-          <a:bodyPr/>
+        <p:spPr>
+          <a:xfrm>
+            <a:off x="677334" y="1930401"/>
+            <a:ext cx="5007849" cy="4110962"/>
+          </a:xfrm>
+        </p:spPr>
+        <p:txBody>
+          <a:bodyPr>
+            <a:normAutofit/>
+          </a:bodyPr>
           <a:lstStyle/>
           <a:p>
-            <a:endParaRPr lang="hu-HU"/>
+            <a:r>
+              <a:rPr lang="hu-HU" dirty="0"/>
+              <a:t>Környezet: Python, </a:t>
+            </a:r>
+            <a:r>
+              <a:rPr lang="en-GB" dirty="0" err="1"/>
+              <a:t>Tensorflow</a:t>
+            </a:r>
+            <a:endParaRPr lang="hu-HU" dirty="0"/>
+          </a:p>
+          <a:p>
+            <a:r>
+              <a:rPr lang="hu-HU" dirty="0"/>
+              <a:t>Modell:</a:t>
+            </a:r>
+            <a:r>
+              <a:rPr lang="en-GB" dirty="0"/>
+              <a:t> CNN (</a:t>
+            </a:r>
+            <a:r>
+              <a:rPr lang="en-GB" dirty="0" err="1"/>
+              <a:t>Konvolúciós</a:t>
+            </a:r>
+            <a:r>
+              <a:rPr lang="en-GB" dirty="0"/>
+              <a:t> </a:t>
+            </a:r>
+            <a:r>
+              <a:rPr lang="en-GB" dirty="0" err="1"/>
+              <a:t>neurális</a:t>
+            </a:r>
+            <a:r>
+              <a:rPr lang="en-GB" dirty="0"/>
+              <a:t> </a:t>
+            </a:r>
+            <a:r>
+              <a:rPr lang="en-GB" dirty="0" err="1"/>
+              <a:t>hálózat</a:t>
+            </a:r>
+            <a:r>
+              <a:rPr lang="en-GB" dirty="0"/>
+              <a:t>)</a:t>
+            </a:r>
+          </a:p>
+          <a:p>
+            <a:endParaRPr lang="en-GB" dirty="0"/>
+          </a:p>
+          <a:p>
+            <a:r>
+              <a:rPr lang="en-GB" dirty="0" err="1"/>
+              <a:t>Előfeldolgozás</a:t>
+            </a:r>
+            <a:r>
+              <a:rPr lang="en-GB" dirty="0"/>
+              <a:t> – </a:t>
+            </a:r>
+            <a:r>
+              <a:rPr lang="en-GB" dirty="0" err="1"/>
+              <a:t>ImageDataGenerator</a:t>
+            </a:r>
+            <a:endParaRPr lang="en-GB" dirty="0"/>
+          </a:p>
+          <a:p>
+            <a:pPr lvl="1"/>
+            <a:r>
+              <a:rPr lang="en-GB" dirty="0"/>
+              <a:t>rescale</a:t>
+            </a:r>
+          </a:p>
+          <a:p>
+            <a:pPr lvl="1"/>
+            <a:r>
+              <a:rPr lang="en-GB" dirty="0" err="1"/>
+              <a:t>rotation_range</a:t>
+            </a:r>
+            <a:endParaRPr lang="en-GB" dirty="0"/>
+          </a:p>
+          <a:p>
+            <a:pPr lvl="1"/>
+            <a:r>
+              <a:rPr lang="en-GB" dirty="0" err="1"/>
+              <a:t>width_shift_range</a:t>
+            </a:r>
+            <a:endParaRPr lang="en-GB" dirty="0"/>
+          </a:p>
+          <a:p>
+            <a:pPr lvl="1"/>
+            <a:r>
+              <a:rPr lang="en-GB" dirty="0" err="1"/>
+              <a:t>height_shift_range</a:t>
+            </a:r>
+            <a:endParaRPr lang="en-GB" dirty="0"/>
+          </a:p>
+          <a:p>
+            <a:pPr lvl="1"/>
+            <a:r>
+              <a:rPr lang="en-GB" dirty="0" err="1"/>
+              <a:t>zoom_range</a:t>
+            </a:r>
+            <a:endParaRPr lang="en-GB" dirty="0"/>
+          </a:p>
+          <a:p>
+            <a:pPr lvl="1"/>
+            <a:r>
+              <a:rPr lang="en-GB" dirty="0" err="1"/>
+              <a:t>horizontal_flip</a:t>
+            </a:r>
+            <a:endParaRPr lang="hu-HU" dirty="0"/>
           </a:p>
         </p:txBody>
       </p:sp>
     </p:spTree>
     <p:extLst>
       <p:ext uri="{BB962C8B-B14F-4D97-AF65-F5344CB8AC3E}">
-        <p14:creationId xmlns:p14="http://schemas.microsoft.com/office/powerpoint/2010/main" val="773800409"/>
+        <p14:creationId xmlns:p14="http://schemas.microsoft.com/office/powerpoint/2010/main" val="3381078652"/>
+      </p:ext>
+    </p:extLst>
+  </p:cSld>
+  <p:clrMapOvr>
+    <a:masterClrMapping/>
+  </p:clrMapOvr>
+</p:sld>
+</file>
+
+<file path=ppt/slides/slide9.xml><?xml version="1.0" encoding="utf-8"?>
+<p:sld xmlns:a="http://schemas.openxmlformats.org/drawingml/2006/main" xmlns:r="http://schemas.openxmlformats.org/officeDocument/2006/relationships" xmlns:p="http://schemas.openxmlformats.org/presentationml/2006/main">
+  <p:cSld>
+    <p:spTree>
+      <p:nvGrpSpPr>
+        <p:cNvPr id="1" name=""/>
+        <p:cNvGrpSpPr/>
+        <p:nvPr/>
+      </p:nvGrpSpPr>
+      <p:grpSpPr>
+        <a:xfrm>
+          <a:off x="0" y="0"/>
+          <a:ext cx="0" cy="0"/>
+          <a:chOff x="0" y="0"/>
+          <a:chExt cx="0" cy="0"/>
+        </a:xfrm>
+      </p:grpSpPr>
+      <p:sp>
+        <p:nvSpPr>
+          <p:cNvPr id="2" name="Cím 1">
+            <a:extLst>
+              <a:ext uri="{FF2B5EF4-FFF2-40B4-BE49-F238E27FC236}">
+                <a16:creationId xmlns:a16="http://schemas.microsoft.com/office/drawing/2014/main" id="{FDF80BBE-2447-4BDF-9812-0F8CB396D778}"/>
+              </a:ext>
+            </a:extLst>
+          </p:cNvPr>
+          <p:cNvSpPr>
+            <a:spLocks noGrp="1"/>
+          </p:cNvSpPr>
+          <p:nvPr>
+            <p:ph type="title"/>
+          </p:nvPr>
+        </p:nvSpPr>
+        <p:spPr>
+          <a:xfrm>
+            <a:off x="677333" y="609600"/>
+            <a:ext cx="9112710" cy="1320800"/>
+          </a:xfrm>
+        </p:spPr>
+        <p:txBody>
+          <a:bodyPr>
+            <a:normAutofit fontScale="90000"/>
+          </a:bodyPr>
+          <a:lstStyle/>
+          <a:p>
+            <a:r>
+              <a:rPr lang="en-GB" dirty="0"/>
+              <a:t>Modell </a:t>
+            </a:r>
+            <a:r>
+              <a:rPr lang="en-GB" dirty="0" err="1"/>
+              <a:t>és</a:t>
+            </a:r>
+            <a:r>
+              <a:rPr lang="en-GB" dirty="0"/>
+              <a:t> </a:t>
+            </a:r>
+            <a:r>
+              <a:rPr lang="en-GB" dirty="0" err="1"/>
+              <a:t>eredmények</a:t>
+            </a:r>
+            <a:r>
+              <a:rPr lang="en-GB" dirty="0"/>
+              <a:t> -</a:t>
+            </a:r>
+            <a:r>
+              <a:rPr lang="hu-HU" dirty="0"/>
+              <a:t> </a:t>
+            </a:r>
+            <a:r>
+              <a:rPr lang="en-GB" dirty="0" err="1"/>
+              <a:t>mesterséges</a:t>
+            </a:r>
+            <a:r>
+              <a:rPr lang="en-GB" dirty="0"/>
+              <a:t> </a:t>
+            </a:r>
+            <a:r>
+              <a:rPr lang="en-GB" dirty="0" err="1"/>
+              <a:t>neuronháló</a:t>
+            </a:r>
+            <a:br>
+              <a:rPr lang="hu-HU" dirty="0"/>
+            </a:br>
+            <a:endParaRPr lang="hu-HU" dirty="0"/>
+          </a:p>
+        </p:txBody>
+      </p:sp>
+      <p:sp>
+        <p:nvSpPr>
+          <p:cNvPr id="4" name="Tartalom helye 3">
+            <a:extLst>
+              <a:ext uri="{FF2B5EF4-FFF2-40B4-BE49-F238E27FC236}">
+                <a16:creationId xmlns:a16="http://schemas.microsoft.com/office/drawing/2014/main" id="{0121F079-0126-4246-AC75-45411396EC25}"/>
+              </a:ext>
+            </a:extLst>
+          </p:cNvPr>
+          <p:cNvSpPr>
+            <a:spLocks noGrp="1"/>
+          </p:cNvSpPr>
+          <p:nvPr>
+            <p:ph sz="half" idx="2"/>
+          </p:nvPr>
+        </p:nvSpPr>
+        <p:spPr>
+          <a:xfrm>
+            <a:off x="5089970" y="2066677"/>
+            <a:ext cx="4184034" cy="3974685"/>
+          </a:xfrm>
+        </p:spPr>
+        <p:txBody>
+          <a:bodyPr/>
+          <a:lstStyle/>
+          <a:p>
+            <a:r>
+              <a:rPr lang="en-GB" dirty="0" err="1"/>
+              <a:t>Pontosság</a:t>
+            </a:r>
+            <a:endParaRPr lang="en-GB" dirty="0"/>
+          </a:p>
+          <a:p>
+            <a:pPr lvl="1"/>
+            <a:r>
+              <a:rPr lang="en-GB" dirty="0" err="1"/>
+              <a:t>validációs</a:t>
+            </a:r>
+            <a:r>
+              <a:rPr lang="en-GB" dirty="0"/>
+              <a:t> </a:t>
+            </a:r>
+            <a:r>
+              <a:rPr lang="en-GB" dirty="0" err="1"/>
+              <a:t>adathalmazon</a:t>
+            </a:r>
+            <a:r>
+              <a:rPr lang="en-GB" dirty="0"/>
+              <a:t> ~ 99%</a:t>
+            </a:r>
+          </a:p>
+          <a:p>
+            <a:pPr lvl="1"/>
+            <a:endParaRPr lang="hu-HU" dirty="0"/>
+          </a:p>
+        </p:txBody>
+      </p:sp>
+      <p:sp>
+        <p:nvSpPr>
+          <p:cNvPr id="5" name="Content Placeholder 2">
+            <a:extLst>
+              <a:ext uri="{FF2B5EF4-FFF2-40B4-BE49-F238E27FC236}">
+                <a16:creationId xmlns:a16="http://schemas.microsoft.com/office/drawing/2014/main" id="{A74A6AFB-46A7-4D66-B569-41CCD8F3A999}"/>
+              </a:ext>
+            </a:extLst>
+          </p:cNvPr>
+          <p:cNvSpPr txBox="1">
+            <a:spLocks noGrp="1"/>
+          </p:cNvSpPr>
+          <p:nvPr>
+            <p:ph sz="half" idx="1"/>
+          </p:nvPr>
+        </p:nvSpPr>
+        <p:spPr>
+          <a:xfrm>
+            <a:off x="677863" y="2067340"/>
+            <a:ext cx="4183062" cy="3974686"/>
+          </a:xfrm>
+          <a:prstGeom prst="rect">
+            <a:avLst/>
+          </a:prstGeom>
+        </p:spPr>
+        <p:txBody>
+          <a:bodyPr vert="horz" lIns="91440" tIns="45720" rIns="91440" bIns="45720" rtlCol="0">
+            <a:normAutofit/>
+          </a:bodyPr>
+          <a:lstStyle>
+            <a:lvl1pPr marL="342900" indent="-342900" algn="l" defTabSz="457200" rtl="0" eaLnBrk="1" latinLnBrk="0" hangingPunct="1">
+              <a:spcBef>
+                <a:spcPts val="1000"/>
+              </a:spcBef>
+              <a:spcAft>
+                <a:spcPts val="0"/>
+              </a:spcAft>
+              <a:buClr>
+                <a:schemeClr val="accent1"/>
+              </a:buClr>
+              <a:buSzPct val="80000"/>
+              <a:buFont typeface="Wingdings 3" charset="2"/>
+              <a:buChar char=""/>
+              <a:defRPr sz="1800" kern="1200">
+                <a:solidFill>
+                  <a:schemeClr val="tx1">
+                    <a:lumMod val="75000"/>
+                    <a:lumOff val="25000"/>
+                  </a:schemeClr>
+                </a:solidFill>
+                <a:latin typeface="+mn-lt"/>
+                <a:ea typeface="+mn-ea"/>
+                <a:cs typeface="+mn-cs"/>
+              </a:defRPr>
+            </a:lvl1pPr>
+            <a:lvl2pPr marL="742950" indent="-285750" algn="l" defTabSz="457200" rtl="0" eaLnBrk="1" latinLnBrk="0" hangingPunct="1">
+              <a:spcBef>
+                <a:spcPts val="1000"/>
+              </a:spcBef>
+              <a:spcAft>
+                <a:spcPts val="0"/>
+              </a:spcAft>
+              <a:buClr>
+                <a:schemeClr val="accent1"/>
+              </a:buClr>
+              <a:buSzPct val="80000"/>
+              <a:buFont typeface="Wingdings 3" charset="2"/>
+              <a:buChar char=""/>
+              <a:defRPr sz="1600" kern="1200">
+                <a:solidFill>
+                  <a:schemeClr val="tx1">
+                    <a:lumMod val="75000"/>
+                    <a:lumOff val="25000"/>
+                  </a:schemeClr>
+                </a:solidFill>
+                <a:latin typeface="+mn-lt"/>
+                <a:ea typeface="+mn-ea"/>
+                <a:cs typeface="+mn-cs"/>
+              </a:defRPr>
+            </a:lvl2pPr>
+            <a:lvl3pPr marL="1143000" indent="-228600" algn="l" defTabSz="457200" rtl="0" eaLnBrk="1" latinLnBrk="0" hangingPunct="1">
+              <a:spcBef>
+                <a:spcPts val="1000"/>
+              </a:spcBef>
+              <a:spcAft>
+                <a:spcPts val="0"/>
+              </a:spcAft>
+              <a:buClr>
+                <a:schemeClr val="accent1"/>
+              </a:buClr>
+              <a:buSzPct val="80000"/>
+              <a:buFont typeface="Wingdings 3" charset="2"/>
+              <a:buChar char=""/>
+              <a:defRPr sz="1400" kern="1200">
+                <a:solidFill>
+                  <a:schemeClr val="tx1">
+                    <a:lumMod val="75000"/>
+                    <a:lumOff val="25000"/>
+                  </a:schemeClr>
+                </a:solidFill>
+                <a:latin typeface="+mn-lt"/>
+                <a:ea typeface="+mn-ea"/>
+                <a:cs typeface="+mn-cs"/>
+              </a:defRPr>
+            </a:lvl3pPr>
+            <a:lvl4pPr marL="1600200" indent="-228600" algn="l" defTabSz="457200" rtl="0" eaLnBrk="1" latinLnBrk="0" hangingPunct="1">
+              <a:spcBef>
+                <a:spcPts val="1000"/>
+              </a:spcBef>
+              <a:spcAft>
+                <a:spcPts val="0"/>
+              </a:spcAft>
+              <a:buClr>
+                <a:schemeClr val="accent1"/>
+              </a:buClr>
+              <a:buSzPct val="80000"/>
+              <a:buFont typeface="Wingdings 3" charset="2"/>
+              <a:buChar char=""/>
+              <a:defRPr sz="1200" kern="1200">
+                <a:solidFill>
+                  <a:schemeClr val="tx1">
+                    <a:lumMod val="75000"/>
+                    <a:lumOff val="25000"/>
+                  </a:schemeClr>
+                </a:solidFill>
+                <a:latin typeface="+mn-lt"/>
+                <a:ea typeface="+mn-ea"/>
+                <a:cs typeface="+mn-cs"/>
+              </a:defRPr>
+            </a:lvl4pPr>
+            <a:lvl5pPr marL="2057400" indent="-228600" algn="l" defTabSz="457200" rtl="0" eaLnBrk="1" latinLnBrk="0" hangingPunct="1">
+              <a:spcBef>
+                <a:spcPts val="1000"/>
+              </a:spcBef>
+              <a:spcAft>
+                <a:spcPts val="0"/>
+              </a:spcAft>
+              <a:buClr>
+                <a:schemeClr val="accent1"/>
+              </a:buClr>
+              <a:buSzPct val="80000"/>
+              <a:buFont typeface="Wingdings 3" charset="2"/>
+              <a:buChar char=""/>
+              <a:defRPr sz="1200" kern="1200">
+                <a:solidFill>
+                  <a:schemeClr val="tx1">
+                    <a:lumMod val="75000"/>
+                    <a:lumOff val="25000"/>
+                  </a:schemeClr>
+                </a:solidFill>
+                <a:latin typeface="+mn-lt"/>
+                <a:ea typeface="+mn-ea"/>
+                <a:cs typeface="+mn-cs"/>
+              </a:defRPr>
+            </a:lvl5pPr>
+            <a:lvl6pPr marL="2514600" indent="-228600" algn="l" defTabSz="457200" rtl="0" eaLnBrk="1" latinLnBrk="0" hangingPunct="1">
+              <a:spcBef>
+                <a:spcPts val="1000"/>
+              </a:spcBef>
+              <a:spcAft>
+                <a:spcPts val="0"/>
+              </a:spcAft>
+              <a:buClr>
+                <a:schemeClr val="accent1"/>
+              </a:buClr>
+              <a:buSzPct val="80000"/>
+              <a:buFont typeface="Wingdings 3" charset="2"/>
+              <a:buChar char=""/>
+              <a:defRPr sz="1200" kern="1200">
+                <a:solidFill>
+                  <a:schemeClr val="tx1">
+                    <a:lumMod val="75000"/>
+                    <a:lumOff val="25000"/>
+                  </a:schemeClr>
+                </a:solidFill>
+                <a:latin typeface="+mn-lt"/>
+                <a:ea typeface="+mn-ea"/>
+                <a:cs typeface="+mn-cs"/>
+              </a:defRPr>
+            </a:lvl6pPr>
+            <a:lvl7pPr marL="2971800" indent="-228600" algn="l" defTabSz="457200" rtl="0" eaLnBrk="1" latinLnBrk="0" hangingPunct="1">
+              <a:spcBef>
+                <a:spcPts val="1000"/>
+              </a:spcBef>
+              <a:spcAft>
+                <a:spcPts val="0"/>
+              </a:spcAft>
+              <a:buClr>
+                <a:schemeClr val="accent1"/>
+              </a:buClr>
+              <a:buSzPct val="80000"/>
+              <a:buFont typeface="Wingdings 3" charset="2"/>
+              <a:buChar char=""/>
+              <a:defRPr sz="1200" kern="1200">
+                <a:solidFill>
+                  <a:schemeClr val="tx1">
+                    <a:lumMod val="75000"/>
+                    <a:lumOff val="25000"/>
+                  </a:schemeClr>
+                </a:solidFill>
+                <a:latin typeface="+mn-lt"/>
+                <a:ea typeface="+mn-ea"/>
+                <a:cs typeface="+mn-cs"/>
+              </a:defRPr>
+            </a:lvl7pPr>
+            <a:lvl8pPr marL="3429000" indent="-228600" algn="l" defTabSz="457200" rtl="0" eaLnBrk="1" latinLnBrk="0" hangingPunct="1">
+              <a:spcBef>
+                <a:spcPts val="1000"/>
+              </a:spcBef>
+              <a:spcAft>
+                <a:spcPts val="0"/>
+              </a:spcAft>
+              <a:buClr>
+                <a:schemeClr val="accent1"/>
+              </a:buClr>
+              <a:buSzPct val="80000"/>
+              <a:buFont typeface="Wingdings 3" charset="2"/>
+              <a:buChar char=""/>
+              <a:defRPr sz="1200" kern="1200">
+                <a:solidFill>
+                  <a:schemeClr val="tx1">
+                    <a:lumMod val="75000"/>
+                    <a:lumOff val="25000"/>
+                  </a:schemeClr>
+                </a:solidFill>
+                <a:latin typeface="+mn-lt"/>
+                <a:ea typeface="+mn-ea"/>
+                <a:cs typeface="+mn-cs"/>
+              </a:defRPr>
+            </a:lvl8pPr>
+            <a:lvl9pPr marL="3886200" indent="-228600" algn="l" defTabSz="457200" rtl="0" eaLnBrk="1" latinLnBrk="0" hangingPunct="1">
+              <a:spcBef>
+                <a:spcPts val="1000"/>
+              </a:spcBef>
+              <a:spcAft>
+                <a:spcPts val="0"/>
+              </a:spcAft>
+              <a:buClr>
+                <a:schemeClr val="accent1"/>
+              </a:buClr>
+              <a:buSzPct val="80000"/>
+              <a:buFont typeface="Wingdings 3" charset="2"/>
+              <a:buChar char=""/>
+              <a:defRPr sz="1200" kern="1200">
+                <a:solidFill>
+                  <a:schemeClr val="tx1">
+                    <a:lumMod val="75000"/>
+                    <a:lumOff val="25000"/>
+                  </a:schemeClr>
+                </a:solidFill>
+                <a:latin typeface="+mn-lt"/>
+                <a:ea typeface="+mn-ea"/>
+                <a:cs typeface="+mn-cs"/>
+              </a:defRPr>
+            </a:lvl9pPr>
+          </a:lstStyle>
+          <a:p>
+            <a:r>
+              <a:rPr lang="en-GB" dirty="0"/>
+              <a:t>Modell:</a:t>
+            </a:r>
+          </a:p>
+          <a:p>
+            <a:pPr lvl="1"/>
+            <a:r>
+              <a:rPr lang="en-GB" dirty="0"/>
+              <a:t> </a:t>
+            </a:r>
+            <a:r>
+              <a:rPr lang="en-GB" dirty="0" err="1"/>
+              <a:t>Szekvenciális</a:t>
+            </a:r>
+            <a:endParaRPr lang="en-GB" dirty="0"/>
+          </a:p>
+          <a:p>
+            <a:pPr marL="457200" lvl="1" indent="0">
+              <a:buNone/>
+            </a:pPr>
+            <a:endParaRPr lang="en-GB" dirty="0"/>
+          </a:p>
+          <a:p>
+            <a:r>
+              <a:rPr lang="en-GB" dirty="0" err="1"/>
+              <a:t>Rétegek</a:t>
+            </a:r>
+            <a:r>
+              <a:rPr lang="en-GB" dirty="0"/>
+              <a:t>:</a:t>
+            </a:r>
+          </a:p>
+          <a:p>
+            <a:pPr lvl="1"/>
+            <a:r>
+              <a:rPr lang="en-GB" b="0" dirty="0">
+                <a:solidFill>
+                  <a:srgbClr val="000000"/>
+                </a:solidFill>
+                <a:effectLst/>
+                <a:latin typeface="Consolas" panose="020B0609020204030204" pitchFamily="49" charset="0"/>
+              </a:rPr>
+              <a:t>3 </a:t>
+            </a:r>
+            <a:r>
+              <a:rPr lang="hu-HU" b="0" dirty="0" err="1">
+                <a:solidFill>
+                  <a:srgbClr val="000000"/>
+                </a:solidFill>
+                <a:effectLst/>
+                <a:latin typeface="Consolas" panose="020B0609020204030204" pitchFamily="49" charset="0"/>
+              </a:rPr>
+              <a:t>Conv2</a:t>
+            </a:r>
+            <a:r>
+              <a:rPr lang="en-GB" b="0" dirty="0">
+                <a:solidFill>
+                  <a:srgbClr val="000000"/>
+                </a:solidFill>
+                <a:effectLst/>
+                <a:latin typeface="Consolas" panose="020B0609020204030204" pitchFamily="49" charset="0"/>
+              </a:rPr>
+              <a:t>D</a:t>
+            </a:r>
+          </a:p>
+          <a:p>
+            <a:pPr lvl="1"/>
+            <a:r>
+              <a:rPr lang="en-GB" dirty="0">
+                <a:solidFill>
+                  <a:srgbClr val="000000"/>
+                </a:solidFill>
+                <a:latin typeface="Consolas" panose="020B0609020204030204" pitchFamily="49" charset="0"/>
+              </a:rPr>
+              <a:t>1 </a:t>
+            </a:r>
+            <a:r>
+              <a:rPr lang="en-GB" dirty="0" err="1">
+                <a:solidFill>
+                  <a:srgbClr val="000000"/>
+                </a:solidFill>
+                <a:latin typeface="Consolas" panose="020B0609020204030204" pitchFamily="49" charset="0"/>
+              </a:rPr>
+              <a:t>BatchNormalization</a:t>
+            </a:r>
+            <a:endParaRPr lang="en-GB" b="0" dirty="0">
+              <a:solidFill>
+                <a:srgbClr val="000000"/>
+              </a:solidFill>
+              <a:effectLst/>
+              <a:latin typeface="Consolas" panose="020B0609020204030204" pitchFamily="49" charset="0"/>
+            </a:endParaRPr>
+          </a:p>
+          <a:p>
+            <a:pPr lvl="1"/>
+            <a:r>
+              <a:rPr lang="en-GB" b="0" dirty="0">
+                <a:solidFill>
+                  <a:srgbClr val="000000"/>
+                </a:solidFill>
+                <a:effectLst/>
+                <a:latin typeface="Consolas" panose="020B0609020204030204" pitchFamily="49" charset="0"/>
+              </a:rPr>
+              <a:t>2 </a:t>
+            </a:r>
+            <a:r>
+              <a:rPr lang="hu-HU" b="0" dirty="0" err="1">
+                <a:solidFill>
+                  <a:srgbClr val="000000"/>
+                </a:solidFill>
+                <a:effectLst/>
+                <a:latin typeface="Consolas" panose="020B0609020204030204" pitchFamily="49" charset="0"/>
+              </a:rPr>
+              <a:t>MaxPooling2</a:t>
+            </a:r>
+            <a:r>
+              <a:rPr lang="en-GB" b="0" dirty="0">
+                <a:solidFill>
+                  <a:srgbClr val="000000"/>
+                </a:solidFill>
+                <a:effectLst/>
+                <a:latin typeface="Consolas" panose="020B0609020204030204" pitchFamily="49" charset="0"/>
+              </a:rPr>
+              <a:t>D</a:t>
+            </a:r>
+          </a:p>
+          <a:p>
+            <a:pPr lvl="1"/>
+            <a:r>
+              <a:rPr lang="en-GB" dirty="0">
+                <a:solidFill>
+                  <a:srgbClr val="000000"/>
+                </a:solidFill>
+                <a:latin typeface="Consolas" panose="020B0609020204030204" pitchFamily="49" charset="0"/>
+              </a:rPr>
+              <a:t>1 Flatten</a:t>
+            </a:r>
+          </a:p>
+          <a:p>
+            <a:pPr lvl="1"/>
+            <a:r>
+              <a:rPr lang="en-GB" b="0" dirty="0">
+                <a:solidFill>
+                  <a:srgbClr val="000000"/>
+                </a:solidFill>
+                <a:effectLst/>
+                <a:latin typeface="Consolas" panose="020B0609020204030204" pitchFamily="49" charset="0"/>
+              </a:rPr>
+              <a:t>2 Den</a:t>
+            </a:r>
+            <a:r>
+              <a:rPr lang="en-GB" dirty="0">
+                <a:solidFill>
+                  <a:srgbClr val="000000"/>
+                </a:solidFill>
+                <a:latin typeface="Consolas" panose="020B0609020204030204" pitchFamily="49" charset="0"/>
+              </a:rPr>
+              <a:t>se</a:t>
+            </a:r>
+            <a:endParaRPr lang="hu-HU" b="0" dirty="0">
+              <a:solidFill>
+                <a:srgbClr val="000000"/>
+              </a:solidFill>
+              <a:effectLst/>
+              <a:latin typeface="Consolas" panose="020B0609020204030204" pitchFamily="49" charset="0"/>
+            </a:endParaRPr>
+          </a:p>
+          <a:p>
+            <a:pPr marL="457200" lvl="1" indent="0">
+              <a:buNone/>
+            </a:pPr>
+            <a:endParaRPr lang="en-GB" dirty="0"/>
+          </a:p>
+          <a:p>
+            <a:pPr lvl="1"/>
+            <a:endParaRPr lang="hu-HU" dirty="0"/>
+          </a:p>
+        </p:txBody>
+      </p:sp>
+      <p:pic>
+        <p:nvPicPr>
+          <p:cNvPr id="7" name="Kép 6">
+            <a:extLst>
+              <a:ext uri="{FF2B5EF4-FFF2-40B4-BE49-F238E27FC236}">
+                <a16:creationId xmlns:a16="http://schemas.microsoft.com/office/drawing/2014/main" id="{E5D3A0B0-561D-432D-A95F-5B691FFCE844}"/>
+              </a:ext>
+            </a:extLst>
+          </p:cNvPr>
+          <p:cNvPicPr>
+            <a:picLocks noChangeAspect="1"/>
+          </p:cNvPicPr>
+          <p:nvPr/>
+        </p:nvPicPr>
+        <p:blipFill>
+          <a:blip r:embed="rId2"/>
+          <a:stretch>
+            <a:fillRect/>
+          </a:stretch>
+        </p:blipFill>
+        <p:spPr>
+          <a:xfrm>
+            <a:off x="5684366" y="2983580"/>
+            <a:ext cx="3954789" cy="445420"/>
+          </a:xfrm>
+          <a:prstGeom prst="rect">
+            <a:avLst/>
+          </a:prstGeom>
+        </p:spPr>
+      </p:pic>
+    </p:spTree>
+    <p:extLst>
+      <p:ext uri="{BB962C8B-B14F-4D97-AF65-F5344CB8AC3E}">
+        <p14:creationId xmlns:p14="http://schemas.microsoft.com/office/powerpoint/2010/main" val="3159860867"/>
       </p:ext>
     </p:extLst>
   </p:cSld>

--- a/Bemutató.pptx
+++ b/Bemutató.pptx
@@ -5,7 +5,7 @@
     <p:sldMasterId id="2147483874" r:id="rId1"/>
   </p:sldMasterIdLst>
   <p:notesMasterIdLst>
-    <p:notesMasterId r:id="rId12"/>
+    <p:notesMasterId r:id="rId13"/>
   </p:notesMasterIdLst>
   <p:sldIdLst>
     <p:sldId id="256" r:id="rId2"/>
@@ -17,7 +17,8 @@
     <p:sldId id="264" r:id="rId8"/>
     <p:sldId id="265" r:id="rId9"/>
     <p:sldId id="266" r:id="rId10"/>
-    <p:sldId id="267" r:id="rId11"/>
+    <p:sldId id="268" r:id="rId11"/>
+    <p:sldId id="267" r:id="rId12"/>
   </p:sldIdLst>
   <p:sldSz cx="12192000" cy="6858000"/>
   <p:notesSz cx="6858000" cy="9144000"/>
@@ -6671,6 +6672,399 @@
 </file>
 
 <file path=ppt/slides/slide10.xml><?xml version="1.0" encoding="utf-8"?>
+<p:sld xmlns:a="http://schemas.openxmlformats.org/drawingml/2006/main" xmlns:r="http://schemas.openxmlformats.org/officeDocument/2006/relationships" xmlns:p="http://schemas.openxmlformats.org/presentationml/2006/main">
+  <p:cSld>
+    <p:spTree>
+      <p:nvGrpSpPr>
+        <p:cNvPr id="1" name=""/>
+        <p:cNvGrpSpPr/>
+        <p:nvPr/>
+      </p:nvGrpSpPr>
+      <p:grpSpPr>
+        <a:xfrm>
+          <a:off x="0" y="0"/>
+          <a:ext cx="0" cy="0"/>
+          <a:chOff x="0" y="0"/>
+          <a:chExt cx="0" cy="0"/>
+        </a:xfrm>
+      </p:grpSpPr>
+      <p:pic>
+        <p:nvPicPr>
+          <p:cNvPr id="6" name="Picture 5">
+            <a:extLst>
+              <a:ext uri="{FF2B5EF4-FFF2-40B4-BE49-F238E27FC236}">
+                <a16:creationId xmlns:a16="http://schemas.microsoft.com/office/drawing/2014/main" id="{4635C807-332D-471A-B44B-34EE0A7BE005}"/>
+              </a:ext>
+            </a:extLst>
+          </p:cNvPr>
+          <p:cNvPicPr>
+            <a:picLocks noChangeAspect="1"/>
+          </p:cNvPicPr>
+          <p:nvPr/>
+        </p:nvPicPr>
+        <p:blipFill>
+          <a:blip r:embed="rId2"/>
+          <a:stretch>
+            <a:fillRect/>
+          </a:stretch>
+        </p:blipFill>
+        <p:spPr>
+          <a:xfrm>
+            <a:off x="148173" y="130200"/>
+            <a:ext cx="8145049" cy="4335268"/>
+          </a:xfrm>
+          <a:prstGeom prst="rect">
+            <a:avLst/>
+          </a:prstGeom>
+        </p:spPr>
+      </p:pic>
+      <p:pic>
+        <p:nvPicPr>
+          <p:cNvPr id="8" name="Picture 7">
+            <a:extLst>
+              <a:ext uri="{FF2B5EF4-FFF2-40B4-BE49-F238E27FC236}">
+                <a16:creationId xmlns:a16="http://schemas.microsoft.com/office/drawing/2014/main" id="{3C9ACEE5-6AA5-45AB-AD71-A27F35D3A0EC}"/>
+              </a:ext>
+            </a:extLst>
+          </p:cNvPr>
+          <p:cNvPicPr>
+            <a:picLocks noChangeAspect="1"/>
+          </p:cNvPicPr>
+          <p:nvPr/>
+        </p:nvPicPr>
+        <p:blipFill>
+          <a:blip r:embed="rId3"/>
+          <a:stretch>
+            <a:fillRect/>
+          </a:stretch>
+        </p:blipFill>
+        <p:spPr>
+          <a:xfrm>
+            <a:off x="742980" y="458674"/>
+            <a:ext cx="8859486" cy="4715533"/>
+          </a:xfrm>
+          <a:prstGeom prst="rect">
+            <a:avLst/>
+          </a:prstGeom>
+        </p:spPr>
+      </p:pic>
+      <p:pic>
+        <p:nvPicPr>
+          <p:cNvPr id="10" name="Picture 9">
+            <a:extLst>
+              <a:ext uri="{FF2B5EF4-FFF2-40B4-BE49-F238E27FC236}">
+                <a16:creationId xmlns:a16="http://schemas.microsoft.com/office/drawing/2014/main" id="{53CF3F35-F727-4905-89A0-FD3D7FB99A00}"/>
+              </a:ext>
+            </a:extLst>
+          </p:cNvPr>
+          <p:cNvPicPr>
+            <a:picLocks noChangeAspect="1"/>
+          </p:cNvPicPr>
+          <p:nvPr/>
+        </p:nvPicPr>
+        <p:blipFill>
+          <a:blip r:embed="rId4"/>
+          <a:stretch>
+            <a:fillRect/>
+          </a:stretch>
+        </p:blipFill>
+        <p:spPr>
+          <a:xfrm>
+            <a:off x="1666257" y="1071233"/>
+            <a:ext cx="8859486" cy="4715533"/>
+          </a:xfrm>
+          <a:prstGeom prst="rect">
+            <a:avLst/>
+          </a:prstGeom>
+        </p:spPr>
+      </p:pic>
+    </p:spTree>
+    <p:extLst>
+      <p:ext uri="{BB962C8B-B14F-4D97-AF65-F5344CB8AC3E}">
+        <p14:creationId xmlns:p14="http://schemas.microsoft.com/office/powerpoint/2010/main" val="2092155637"/>
+      </p:ext>
+    </p:extLst>
+  </p:cSld>
+  <p:clrMapOvr>
+    <a:masterClrMapping/>
+  </p:clrMapOvr>
+  <p:timing>
+    <p:tnLst>
+      <p:par>
+        <p:cTn id="1" dur="indefinite" restart="never" nodeType="tmRoot">
+          <p:childTnLst>
+            <p:seq concurrent="1" nextAc="seek">
+              <p:cTn id="2" dur="indefinite" nodeType="mainSeq">
+                <p:childTnLst>
+                  <p:par>
+                    <p:cTn id="3" fill="hold">
+                      <p:stCondLst>
+                        <p:cond delay="indefinite"/>
+                      </p:stCondLst>
+                      <p:childTnLst>
+                        <p:par>
+                          <p:cTn id="4" fill="hold">
+                            <p:stCondLst>
+                              <p:cond delay="0"/>
+                            </p:stCondLst>
+                            <p:childTnLst>
+                              <p:par>
+                                <p:cTn id="5" presetID="1" presetClass="entr" presetSubtype="0" fill="hold" nodeType="clickEffect">
+                                  <p:stCondLst>
+                                    <p:cond delay="0"/>
+                                  </p:stCondLst>
+                                  <p:childTnLst>
+                                    <p:set>
+                                      <p:cBhvr>
+                                        <p:cTn id="6" dur="1" fill="hold">
+                                          <p:stCondLst>
+                                            <p:cond delay="0"/>
+                                          </p:stCondLst>
+                                        </p:cTn>
+                                        <p:tgtEl>
+                                          <p:spTgt spid="6"/>
+                                        </p:tgtEl>
+                                        <p:attrNameLst>
+                                          <p:attrName>style.visibility</p:attrName>
+                                        </p:attrNameLst>
+                                      </p:cBhvr>
+                                      <p:to>
+                                        <p:strVal val="visible"/>
+                                      </p:to>
+                                    </p:set>
+                                  </p:childTnLst>
+                                </p:cTn>
+                              </p:par>
+                            </p:childTnLst>
+                          </p:cTn>
+                        </p:par>
+                      </p:childTnLst>
+                    </p:cTn>
+                  </p:par>
+                  <p:par>
+                    <p:cTn id="7" fill="hold">
+                      <p:stCondLst>
+                        <p:cond delay="indefinite"/>
+                      </p:stCondLst>
+                      <p:childTnLst>
+                        <p:par>
+                          <p:cTn id="8" fill="hold">
+                            <p:stCondLst>
+                              <p:cond delay="0"/>
+                            </p:stCondLst>
+                            <p:childTnLst>
+                              <p:par>
+                                <p:cTn id="9" presetID="42" presetClass="entr" presetSubtype="0" fill="hold" nodeType="clickEffect">
+                                  <p:stCondLst>
+                                    <p:cond delay="0"/>
+                                  </p:stCondLst>
+                                  <p:childTnLst>
+                                    <p:set>
+                                      <p:cBhvr>
+                                        <p:cTn id="10" dur="1" fill="hold">
+                                          <p:stCondLst>
+                                            <p:cond delay="0"/>
+                                          </p:stCondLst>
+                                        </p:cTn>
+                                        <p:tgtEl>
+                                          <p:spTgt spid="8"/>
+                                        </p:tgtEl>
+                                        <p:attrNameLst>
+                                          <p:attrName>style.visibility</p:attrName>
+                                        </p:attrNameLst>
+                                      </p:cBhvr>
+                                      <p:to>
+                                        <p:strVal val="visible"/>
+                                      </p:to>
+                                    </p:set>
+                                    <p:animEffect transition="in" filter="fade">
+                                      <p:cBhvr>
+                                        <p:cTn id="11" dur="1000"/>
+                                        <p:tgtEl>
+                                          <p:spTgt spid="8"/>
+                                        </p:tgtEl>
+                                      </p:cBhvr>
+                                    </p:animEffect>
+                                    <p:anim calcmode="lin" valueType="num">
+                                      <p:cBhvr>
+                                        <p:cTn id="12" dur="1000" fill="hold"/>
+                                        <p:tgtEl>
+                                          <p:spTgt spid="8"/>
+                                        </p:tgtEl>
+                                        <p:attrNameLst>
+                                          <p:attrName>ppt_x</p:attrName>
+                                        </p:attrNameLst>
+                                      </p:cBhvr>
+                                      <p:tavLst>
+                                        <p:tav tm="0">
+                                          <p:val>
+                                            <p:strVal val="#ppt_x"/>
+                                          </p:val>
+                                        </p:tav>
+                                        <p:tav tm="100000">
+                                          <p:val>
+                                            <p:strVal val="#ppt_x"/>
+                                          </p:val>
+                                        </p:tav>
+                                      </p:tavLst>
+                                    </p:anim>
+                                    <p:anim calcmode="lin" valueType="num">
+                                      <p:cBhvr>
+                                        <p:cTn id="13" dur="1000" fill="hold"/>
+                                        <p:tgtEl>
+                                          <p:spTgt spid="8"/>
+                                        </p:tgtEl>
+                                        <p:attrNameLst>
+                                          <p:attrName>ppt_y</p:attrName>
+                                        </p:attrNameLst>
+                                      </p:cBhvr>
+                                      <p:tavLst>
+                                        <p:tav tm="0">
+                                          <p:val>
+                                            <p:strVal val="#ppt_y+.1"/>
+                                          </p:val>
+                                        </p:tav>
+                                        <p:tav tm="100000">
+                                          <p:val>
+                                            <p:strVal val="#ppt_y"/>
+                                          </p:val>
+                                        </p:tav>
+                                      </p:tavLst>
+                                    </p:anim>
+                                  </p:childTnLst>
+                                </p:cTn>
+                              </p:par>
+                            </p:childTnLst>
+                          </p:cTn>
+                        </p:par>
+                      </p:childTnLst>
+                    </p:cTn>
+                  </p:par>
+                  <p:par>
+                    <p:cTn id="14" fill="hold">
+                      <p:stCondLst>
+                        <p:cond delay="indefinite"/>
+                      </p:stCondLst>
+                      <p:childTnLst>
+                        <p:par>
+                          <p:cTn id="15" fill="hold">
+                            <p:stCondLst>
+                              <p:cond delay="0"/>
+                            </p:stCondLst>
+                            <p:childTnLst>
+                              <p:par>
+                                <p:cTn id="16" presetID="42" presetClass="entr" presetSubtype="0" fill="hold" nodeType="clickEffect">
+                                  <p:stCondLst>
+                                    <p:cond delay="0"/>
+                                  </p:stCondLst>
+                                  <p:childTnLst>
+                                    <p:set>
+                                      <p:cBhvr>
+                                        <p:cTn id="17" dur="1" fill="hold">
+                                          <p:stCondLst>
+                                            <p:cond delay="0"/>
+                                          </p:stCondLst>
+                                        </p:cTn>
+                                        <p:tgtEl>
+                                          <p:spTgt spid="10"/>
+                                        </p:tgtEl>
+                                        <p:attrNameLst>
+                                          <p:attrName>style.visibility</p:attrName>
+                                        </p:attrNameLst>
+                                      </p:cBhvr>
+                                      <p:to>
+                                        <p:strVal val="visible"/>
+                                      </p:to>
+                                    </p:set>
+                                    <p:animEffect transition="in" filter="fade">
+                                      <p:cBhvr>
+                                        <p:cTn id="18" dur="1000"/>
+                                        <p:tgtEl>
+                                          <p:spTgt spid="10"/>
+                                        </p:tgtEl>
+                                      </p:cBhvr>
+                                    </p:animEffect>
+                                    <p:anim calcmode="lin" valueType="num">
+                                      <p:cBhvr>
+                                        <p:cTn id="19" dur="1000" fill="hold"/>
+                                        <p:tgtEl>
+                                          <p:spTgt spid="10"/>
+                                        </p:tgtEl>
+                                        <p:attrNameLst>
+                                          <p:attrName>ppt_x</p:attrName>
+                                        </p:attrNameLst>
+                                      </p:cBhvr>
+                                      <p:tavLst>
+                                        <p:tav tm="0">
+                                          <p:val>
+                                            <p:strVal val="#ppt_x"/>
+                                          </p:val>
+                                        </p:tav>
+                                        <p:tav tm="100000">
+                                          <p:val>
+                                            <p:strVal val="#ppt_x"/>
+                                          </p:val>
+                                        </p:tav>
+                                      </p:tavLst>
+                                    </p:anim>
+                                    <p:anim calcmode="lin" valueType="num">
+                                      <p:cBhvr>
+                                        <p:cTn id="20" dur="1000" fill="hold"/>
+                                        <p:tgtEl>
+                                          <p:spTgt spid="10"/>
+                                        </p:tgtEl>
+                                        <p:attrNameLst>
+                                          <p:attrName>ppt_y</p:attrName>
+                                        </p:attrNameLst>
+                                      </p:cBhvr>
+                                      <p:tavLst>
+                                        <p:tav tm="0">
+                                          <p:val>
+                                            <p:strVal val="#ppt_y+.1"/>
+                                          </p:val>
+                                        </p:tav>
+                                        <p:tav tm="100000">
+                                          <p:val>
+                                            <p:strVal val="#ppt_y"/>
+                                          </p:val>
+                                        </p:tav>
+                                      </p:tavLst>
+                                    </p:anim>
+                                  </p:childTnLst>
+                                </p:cTn>
+                              </p:par>
+                            </p:childTnLst>
+                          </p:cTn>
+                        </p:par>
+                      </p:childTnLst>
+                    </p:cTn>
+                  </p:par>
+                </p:childTnLst>
+              </p:cTn>
+              <p:prevCondLst>
+                <p:cond evt="onPrev" delay="0">
+                  <p:tgtEl>
+                    <p:sldTgt/>
+                  </p:tgtEl>
+                </p:cond>
+              </p:prevCondLst>
+              <p:nextCondLst>
+                <p:cond evt="onNext" delay="0">
+                  <p:tgtEl>
+                    <p:sldTgt/>
+                  </p:tgtEl>
+                </p:cond>
+              </p:nextCondLst>
+            </p:seq>
+          </p:childTnLst>
+        </p:cTn>
+      </p:par>
+    </p:tnLst>
+  </p:timing>
+</p:sld>
+</file>
+
+<file path=ppt/slides/slide11.xml><?xml version="1.0" encoding="utf-8"?>
 <p:sld xmlns:a="http://schemas.openxmlformats.org/drawingml/2006/main" xmlns:r="http://schemas.openxmlformats.org/officeDocument/2006/relationships" xmlns:p="http://schemas.openxmlformats.org/presentationml/2006/main">
   <p:cSld>
     <p:spTree>
